--- a/Lecture Note/Lecture 01/Lecture 01.pptx
+++ b/Lecture Note/Lecture 01/Lecture 01.pptx
@@ -3626,7 +3626,7 @@
           <a:p>
             <a:fld id="{516BFB65-1ABC-4601-A567-223D74EE9DF8}" type="datetimeFigureOut">
               <a:rPr lang="ko-KR" altLang="en-US" smtClean="0"/>
-              <a:t>2019-11-01</a:t>
+              <a:t>2019-11-05</a:t>
             </a:fld>
             <a:endParaRPr lang="ko-KR" altLang="en-US"/>
           </a:p>
@@ -3794,7 +3794,7 @@
           <a:p>
             <a:fld id="{516BFB65-1ABC-4601-A567-223D74EE9DF8}" type="datetimeFigureOut">
               <a:rPr lang="ko-KR" altLang="en-US" smtClean="0"/>
-              <a:t>2019-11-01</a:t>
+              <a:t>2019-11-05</a:t>
             </a:fld>
             <a:endParaRPr lang="ko-KR" altLang="en-US"/>
           </a:p>
@@ -3972,7 +3972,7 @@
           <a:p>
             <a:fld id="{516BFB65-1ABC-4601-A567-223D74EE9DF8}" type="datetimeFigureOut">
               <a:rPr lang="ko-KR" altLang="en-US" smtClean="0"/>
-              <a:t>2019-11-01</a:t>
+              <a:t>2019-11-05</a:t>
             </a:fld>
             <a:endParaRPr lang="ko-KR" altLang="en-US"/>
           </a:p>
@@ -4140,7 +4140,7 @@
           <a:p>
             <a:fld id="{516BFB65-1ABC-4601-A567-223D74EE9DF8}" type="datetimeFigureOut">
               <a:rPr lang="ko-KR" altLang="en-US" smtClean="0"/>
-              <a:t>2019-11-01</a:t>
+              <a:t>2019-11-05</a:t>
             </a:fld>
             <a:endParaRPr lang="ko-KR" altLang="en-US"/>
           </a:p>
@@ -4385,7 +4385,7 @@
           <a:p>
             <a:fld id="{516BFB65-1ABC-4601-A567-223D74EE9DF8}" type="datetimeFigureOut">
               <a:rPr lang="ko-KR" altLang="en-US" smtClean="0"/>
-              <a:t>2019-11-01</a:t>
+              <a:t>2019-11-05</a:t>
             </a:fld>
             <a:endParaRPr lang="ko-KR" altLang="en-US"/>
           </a:p>
@@ -4614,7 +4614,7 @@
           <a:p>
             <a:fld id="{516BFB65-1ABC-4601-A567-223D74EE9DF8}" type="datetimeFigureOut">
               <a:rPr lang="ko-KR" altLang="en-US" smtClean="0"/>
-              <a:t>2019-11-01</a:t>
+              <a:t>2019-11-05</a:t>
             </a:fld>
             <a:endParaRPr lang="ko-KR" altLang="en-US"/>
           </a:p>
@@ -4978,7 +4978,7 @@
           <a:p>
             <a:fld id="{516BFB65-1ABC-4601-A567-223D74EE9DF8}" type="datetimeFigureOut">
               <a:rPr lang="ko-KR" altLang="en-US" smtClean="0"/>
-              <a:t>2019-11-01</a:t>
+              <a:t>2019-11-05</a:t>
             </a:fld>
             <a:endParaRPr lang="ko-KR" altLang="en-US"/>
           </a:p>
@@ -5095,7 +5095,7 @@
           <a:p>
             <a:fld id="{516BFB65-1ABC-4601-A567-223D74EE9DF8}" type="datetimeFigureOut">
               <a:rPr lang="ko-KR" altLang="en-US" smtClean="0"/>
-              <a:t>2019-11-01</a:t>
+              <a:t>2019-11-05</a:t>
             </a:fld>
             <a:endParaRPr lang="ko-KR" altLang="en-US"/>
           </a:p>
@@ -5190,7 +5190,7 @@
           <a:p>
             <a:fld id="{516BFB65-1ABC-4601-A567-223D74EE9DF8}" type="datetimeFigureOut">
               <a:rPr lang="ko-KR" altLang="en-US" smtClean="0"/>
-              <a:t>2019-11-01</a:t>
+              <a:t>2019-11-05</a:t>
             </a:fld>
             <a:endParaRPr lang="ko-KR" altLang="en-US"/>
           </a:p>
@@ -5465,7 +5465,7 @@
           <a:p>
             <a:fld id="{516BFB65-1ABC-4601-A567-223D74EE9DF8}" type="datetimeFigureOut">
               <a:rPr lang="ko-KR" altLang="en-US" smtClean="0"/>
-              <a:t>2019-11-01</a:t>
+              <a:t>2019-11-05</a:t>
             </a:fld>
             <a:endParaRPr lang="ko-KR" altLang="en-US"/>
           </a:p>
@@ -5717,7 +5717,7 @@
           <a:p>
             <a:fld id="{516BFB65-1ABC-4601-A567-223D74EE9DF8}" type="datetimeFigureOut">
               <a:rPr lang="ko-KR" altLang="en-US" smtClean="0"/>
-              <a:t>2019-11-01</a:t>
+              <a:t>2019-11-05</a:t>
             </a:fld>
             <a:endParaRPr lang="ko-KR" altLang="en-US"/>
           </a:p>
@@ -5928,7 +5928,7 @@
           <a:p>
             <a:fld id="{516BFB65-1ABC-4601-A567-223D74EE9DF8}" type="datetimeFigureOut">
               <a:rPr lang="ko-KR" altLang="en-US" smtClean="0"/>
-              <a:t>2019-11-01</a:t>
+              <a:t>2019-11-05</a:t>
             </a:fld>
             <a:endParaRPr lang="ko-KR" altLang="en-US"/>
           </a:p>
@@ -13641,7 +13641,7 @@
         <p:spPr>
           <a:xfrm>
             <a:off x="2233724" y="3829372"/>
-            <a:ext cx="7724551" cy="584775"/>
+            <a:ext cx="7724551" cy="1077218"/>
           </a:xfrm>
           <a:prstGeom prst="rect">
             <a:avLst/>
@@ -13657,9 +13657,12 @@
               <a:rPr lang="en-US" altLang="ko-KR" sz="3200" dirty="0">
                 <a:hlinkClick r:id="rId2"/>
               </a:rPr>
-              <a:t>https://www.acmicpc.net/problem/10950</a:t>
-            </a:r>
-            <a:endParaRPr lang="ko-KR" altLang="en-US" sz="3200" dirty="0"/>
+              <a:t>https://www.acmicpc.net/problem/10951</a:t>
+            </a:r>
+            <a:endParaRPr lang="en-US" altLang="ko-KR" sz="3200" dirty="0"/>
+          </a:p>
+          <a:p>
+            <a:endParaRPr lang="en-US" altLang="ko-KR" sz="3200" dirty="0"/>
           </a:p>
         </p:txBody>
       </p:sp>
